--- a/Group31-a1/01/skizze_exercise_01_1.pptx
+++ b/Group31-a1/01/skizze_exercise_01_1.pptx
@@ -2506,7 +2506,7 @@
           <a:p>
             <a:fld id="{BEEA9843-67A4-478B-AB46-C4B6911EBF4B}" type="datetimeFigureOut">
               <a:rPr lang="de-CH" smtClean="0"/>
-              <a:t>04.11.2022</a:t>
+              <a:t>05.11.22</a:t>
             </a:fld>
             <a:endParaRPr lang="de-CH"/>
           </a:p>
@@ -2560,7 +2560,7 @@
           <a:p>
             <a:fld id="{816734B5-DD38-414A-A8B5-7263E2A56A00}" type="slidenum">
               <a:rPr lang="de-CH" smtClean="0"/>
-              <a:t>‹Nr.›</a:t>
+              <a:t>‹#›</a:t>
             </a:fld>
             <a:endParaRPr lang="de-CH"/>
           </a:p>
@@ -2706,7 +2706,7 @@
           <a:p>
             <a:fld id="{BEEA9843-67A4-478B-AB46-C4B6911EBF4B}" type="datetimeFigureOut">
               <a:rPr lang="de-CH" smtClean="0"/>
-              <a:t>04.11.2022</a:t>
+              <a:t>05.11.22</a:t>
             </a:fld>
             <a:endParaRPr lang="de-CH"/>
           </a:p>
@@ -2760,7 +2760,7 @@
           <a:p>
             <a:fld id="{816734B5-DD38-414A-A8B5-7263E2A56A00}" type="slidenum">
               <a:rPr lang="de-CH" smtClean="0"/>
-              <a:t>‹Nr.›</a:t>
+              <a:t>‹#›</a:t>
             </a:fld>
             <a:endParaRPr lang="de-CH"/>
           </a:p>
@@ -2916,7 +2916,7 @@
           <a:p>
             <a:fld id="{BEEA9843-67A4-478B-AB46-C4B6911EBF4B}" type="datetimeFigureOut">
               <a:rPr lang="de-CH" smtClean="0"/>
-              <a:t>04.11.2022</a:t>
+              <a:t>05.11.22</a:t>
             </a:fld>
             <a:endParaRPr lang="de-CH"/>
           </a:p>
@@ -2970,7 +2970,7 @@
           <a:p>
             <a:fld id="{816734B5-DD38-414A-A8B5-7263E2A56A00}" type="slidenum">
               <a:rPr lang="de-CH" smtClean="0"/>
-              <a:t>‹Nr.›</a:t>
+              <a:t>‹#›</a:t>
             </a:fld>
             <a:endParaRPr lang="de-CH"/>
           </a:p>
@@ -3116,7 +3116,7 @@
           <a:p>
             <a:fld id="{BEEA9843-67A4-478B-AB46-C4B6911EBF4B}" type="datetimeFigureOut">
               <a:rPr lang="de-CH" smtClean="0"/>
-              <a:t>04.11.2022</a:t>
+              <a:t>05.11.22</a:t>
             </a:fld>
             <a:endParaRPr lang="de-CH"/>
           </a:p>
@@ -3170,7 +3170,7 @@
           <a:p>
             <a:fld id="{816734B5-DD38-414A-A8B5-7263E2A56A00}" type="slidenum">
               <a:rPr lang="de-CH" smtClean="0"/>
-              <a:t>‹Nr.›</a:t>
+              <a:t>‹#›</a:t>
             </a:fld>
             <a:endParaRPr lang="de-CH"/>
           </a:p>
@@ -3392,7 +3392,7 @@
           <a:p>
             <a:fld id="{BEEA9843-67A4-478B-AB46-C4B6911EBF4B}" type="datetimeFigureOut">
               <a:rPr lang="de-CH" smtClean="0"/>
-              <a:t>04.11.2022</a:t>
+              <a:t>05.11.22</a:t>
             </a:fld>
             <a:endParaRPr lang="de-CH"/>
           </a:p>
@@ -3446,7 +3446,7 @@
           <a:p>
             <a:fld id="{816734B5-DD38-414A-A8B5-7263E2A56A00}" type="slidenum">
               <a:rPr lang="de-CH" smtClean="0"/>
-              <a:t>‹Nr.›</a:t>
+              <a:t>‹#›</a:t>
             </a:fld>
             <a:endParaRPr lang="de-CH"/>
           </a:p>
@@ -3660,7 +3660,7 @@
           <a:p>
             <a:fld id="{BEEA9843-67A4-478B-AB46-C4B6911EBF4B}" type="datetimeFigureOut">
               <a:rPr lang="de-CH" smtClean="0"/>
-              <a:t>04.11.2022</a:t>
+              <a:t>05.11.22</a:t>
             </a:fld>
             <a:endParaRPr lang="de-CH"/>
           </a:p>
@@ -3714,7 +3714,7 @@
           <a:p>
             <a:fld id="{816734B5-DD38-414A-A8B5-7263E2A56A00}" type="slidenum">
               <a:rPr lang="de-CH" smtClean="0"/>
-              <a:t>‹Nr.›</a:t>
+              <a:t>‹#›</a:t>
             </a:fld>
             <a:endParaRPr lang="de-CH"/>
           </a:p>
@@ -4075,7 +4075,7 @@
           <a:p>
             <a:fld id="{BEEA9843-67A4-478B-AB46-C4B6911EBF4B}" type="datetimeFigureOut">
               <a:rPr lang="de-CH" smtClean="0"/>
-              <a:t>04.11.2022</a:t>
+              <a:t>05.11.22</a:t>
             </a:fld>
             <a:endParaRPr lang="de-CH"/>
           </a:p>
@@ -4129,7 +4129,7 @@
           <a:p>
             <a:fld id="{816734B5-DD38-414A-A8B5-7263E2A56A00}" type="slidenum">
               <a:rPr lang="de-CH" smtClean="0"/>
-              <a:t>‹Nr.›</a:t>
+              <a:t>‹#›</a:t>
             </a:fld>
             <a:endParaRPr lang="de-CH"/>
           </a:p>
@@ -4217,7 +4217,7 @@
           <a:p>
             <a:fld id="{BEEA9843-67A4-478B-AB46-C4B6911EBF4B}" type="datetimeFigureOut">
               <a:rPr lang="de-CH" smtClean="0"/>
-              <a:t>04.11.2022</a:t>
+              <a:t>05.11.22</a:t>
             </a:fld>
             <a:endParaRPr lang="de-CH"/>
           </a:p>
@@ -4271,7 +4271,7 @@
           <a:p>
             <a:fld id="{816734B5-DD38-414A-A8B5-7263E2A56A00}" type="slidenum">
               <a:rPr lang="de-CH" smtClean="0"/>
-              <a:t>‹Nr.›</a:t>
+              <a:t>‹#›</a:t>
             </a:fld>
             <a:endParaRPr lang="de-CH"/>
           </a:p>
@@ -4330,7 +4330,7 @@
           <a:p>
             <a:fld id="{BEEA9843-67A4-478B-AB46-C4B6911EBF4B}" type="datetimeFigureOut">
               <a:rPr lang="de-CH" smtClean="0"/>
-              <a:t>04.11.2022</a:t>
+              <a:t>05.11.22</a:t>
             </a:fld>
             <a:endParaRPr lang="de-CH"/>
           </a:p>
@@ -4384,7 +4384,7 @@
           <a:p>
             <a:fld id="{816734B5-DD38-414A-A8B5-7263E2A56A00}" type="slidenum">
               <a:rPr lang="de-CH" smtClean="0"/>
-              <a:t>‹Nr.›</a:t>
+              <a:t>‹#›</a:t>
             </a:fld>
             <a:endParaRPr lang="de-CH"/>
           </a:p>
@@ -4643,7 +4643,7 @@
           <a:p>
             <a:fld id="{BEEA9843-67A4-478B-AB46-C4B6911EBF4B}" type="datetimeFigureOut">
               <a:rPr lang="de-CH" smtClean="0"/>
-              <a:t>04.11.2022</a:t>
+              <a:t>05.11.22</a:t>
             </a:fld>
             <a:endParaRPr lang="de-CH"/>
           </a:p>
@@ -4697,7 +4697,7 @@
           <a:p>
             <a:fld id="{816734B5-DD38-414A-A8B5-7263E2A56A00}" type="slidenum">
               <a:rPr lang="de-CH" smtClean="0"/>
-              <a:t>‹Nr.›</a:t>
+              <a:t>‹#›</a:t>
             </a:fld>
             <a:endParaRPr lang="de-CH"/>
           </a:p>
@@ -4932,7 +4932,7 @@
           <a:p>
             <a:fld id="{BEEA9843-67A4-478B-AB46-C4B6911EBF4B}" type="datetimeFigureOut">
               <a:rPr lang="de-CH" smtClean="0"/>
-              <a:t>04.11.2022</a:t>
+              <a:t>05.11.22</a:t>
             </a:fld>
             <a:endParaRPr lang="de-CH"/>
           </a:p>
@@ -4986,7 +4986,7 @@
           <a:p>
             <a:fld id="{816734B5-DD38-414A-A8B5-7263E2A56A00}" type="slidenum">
               <a:rPr lang="de-CH" smtClean="0"/>
-              <a:t>‹Nr.›</a:t>
+              <a:t>‹#›</a:t>
             </a:fld>
             <a:endParaRPr lang="de-CH"/>
           </a:p>
@@ -5175,7 +5175,7 @@
           <a:p>
             <a:fld id="{BEEA9843-67A4-478B-AB46-C4B6911EBF4B}" type="datetimeFigureOut">
               <a:rPr lang="de-CH" smtClean="0"/>
-              <a:t>04.11.2022</a:t>
+              <a:t>05.11.22</a:t>
             </a:fld>
             <a:endParaRPr lang="de-CH"/>
           </a:p>
@@ -5265,7 +5265,7 @@
           <a:p>
             <a:fld id="{816734B5-DD38-414A-A8B5-7263E2A56A00}" type="slidenum">
               <a:rPr lang="de-CH" smtClean="0"/>
-              <a:t>‹Nr.›</a:t>
+              <a:t>‹#›</a:t>
             </a:fld>
             <a:endParaRPr lang="de-CH"/>
           </a:p>

--- a/Group31-a1/01/skizze_exercise_01_1.pptx
+++ b/Group31-a1/01/skizze_exercise_01_1.pptx
@@ -12845,7 +12845,7 @@
         </p:nvGrpSpPr>
         <p:grpSpPr>
           <a:xfrm>
-            <a:off x="2742003" y="3434847"/>
+            <a:off x="2779248" y="3435858"/>
             <a:ext cx="1895937" cy="1709340"/>
             <a:chOff x="504367" y="386201"/>
             <a:chExt cx="4050224" cy="1791784"/>
@@ -13523,7 +13523,7 @@
         </p:nvGrpSpPr>
         <p:grpSpPr>
           <a:xfrm>
-            <a:off x="5264080" y="374171"/>
+            <a:off x="5260160" y="382867"/>
             <a:ext cx="1895937" cy="3096941"/>
             <a:chOff x="504367" y="386201"/>
             <a:chExt cx="4050224" cy="3246310"/>
@@ -14693,7 +14693,7 @@
         </p:nvGrpSpPr>
         <p:grpSpPr>
           <a:xfrm>
-            <a:off x="1623182" y="374171"/>
+            <a:off x="680830" y="382867"/>
             <a:ext cx="1895937" cy="2929437"/>
             <a:chOff x="1623182" y="374171"/>
             <a:chExt cx="1895937" cy="2929437"/>
@@ -15796,7 +15796,7 @@
         </p:nvGrpSpPr>
         <p:grpSpPr>
           <a:xfrm>
-            <a:off x="8420640" y="835550"/>
+            <a:off x="7363736" y="372415"/>
             <a:ext cx="1895937" cy="2289698"/>
             <a:chOff x="1623182" y="374171"/>
             <a:chExt cx="1895937" cy="2289698"/>
@@ -16671,7 +16671,7 @@
         </p:nvGrpSpPr>
         <p:grpSpPr>
           <a:xfrm>
-            <a:off x="7724911" y="3236972"/>
+            <a:off x="7368398" y="2823545"/>
             <a:ext cx="1895936" cy="1907220"/>
             <a:chOff x="504365" y="386201"/>
             <a:chExt cx="4050222" cy="1999206"/>
@@ -17535,7 +17535,7 @@
         </p:nvGrpSpPr>
         <p:grpSpPr>
           <a:xfrm>
-            <a:off x="5260160" y="3544557"/>
+            <a:off x="5260160" y="3613039"/>
             <a:ext cx="1895937" cy="1020245"/>
             <a:chOff x="504367" y="386201"/>
             <a:chExt cx="4050224" cy="1069453"/>
@@ -18357,7 +18357,7 @@
         </p:nvGrpSpPr>
         <p:grpSpPr>
           <a:xfrm>
-            <a:off x="9810506" y="3236969"/>
+            <a:off x="9620851" y="4239564"/>
             <a:ext cx="1895936" cy="1907220"/>
             <a:chOff x="504365" y="386201"/>
             <a:chExt cx="4050222" cy="1999206"/>
@@ -19439,7 +19439,7 @@
         </p:nvGrpSpPr>
         <p:grpSpPr>
           <a:xfrm>
-            <a:off x="2742003" y="5320483"/>
+            <a:off x="2779244" y="5323180"/>
             <a:ext cx="1895937" cy="1345010"/>
             <a:chOff x="504367" y="386201"/>
             <a:chExt cx="4050224" cy="1409882"/>
